--- a/Later/The Platform Environment/20/Java enum.pptx
+++ b/Later/The Platform Environment/20/Java enum.pptx
@@ -192,7 +192,7 @@
           <a:p>
             <a:fld id="{62274EC6-3890-417B-9308-14EFBD00FA63}" type="datetimeFigureOut">
               <a:rPr lang="en-US" smtClean="0"/>
-              <a:t>1/10/2017</a:t>
+              <a:t>1/13/2017</a:t>
             </a:fld>
             <a:endParaRPr lang="en-US" dirty="0"/>
           </a:p>
@@ -731,7 +731,7 @@
             <a:fld id="{1D8BD707-D9CF-40AE-B4C6-C98DA3205C09}" type="datetimeFigureOut">
               <a:rPr lang="en-US" smtClean="0"/>
               <a:pPr/>
-              <a:t>1/10/2017</a:t>
+              <a:t>1/13/2017</a:t>
             </a:fld>
             <a:endParaRPr lang="en-US" dirty="0"/>
           </a:p>
@@ -903,7 +903,7 @@
             <a:fld id="{1D8BD707-D9CF-40AE-B4C6-C98DA3205C09}" type="datetimeFigureOut">
               <a:rPr lang="en-US" smtClean="0"/>
               <a:pPr/>
-              <a:t>1/10/2017</a:t>
+              <a:t>1/13/2017</a:t>
             </a:fld>
             <a:endParaRPr lang="en-US" dirty="0"/>
           </a:p>
@@ -1085,7 +1085,7 @@
             <a:fld id="{1D8BD707-D9CF-40AE-B4C6-C98DA3205C09}" type="datetimeFigureOut">
               <a:rPr lang="en-US" smtClean="0"/>
               <a:pPr/>
-              <a:t>1/10/2017</a:t>
+              <a:t>1/13/2017</a:t>
             </a:fld>
             <a:endParaRPr lang="en-US" dirty="0"/>
           </a:p>
@@ -1257,7 +1257,7 @@
             <a:fld id="{1D8BD707-D9CF-40AE-B4C6-C98DA3205C09}" type="datetimeFigureOut">
               <a:rPr lang="en-US" smtClean="0"/>
               <a:pPr/>
-              <a:t>1/10/2017</a:t>
+              <a:t>1/13/2017</a:t>
             </a:fld>
             <a:endParaRPr lang="en-US" dirty="0"/>
           </a:p>
@@ -1505,7 +1505,7 @@
             <a:fld id="{1D8BD707-D9CF-40AE-B4C6-C98DA3205C09}" type="datetimeFigureOut">
               <a:rPr lang="en-US" smtClean="0"/>
               <a:pPr/>
-              <a:t>1/10/2017</a:t>
+              <a:t>1/13/2017</a:t>
             </a:fld>
             <a:endParaRPr lang="en-US" dirty="0"/>
           </a:p>
@@ -1795,7 +1795,7 @@
             <a:fld id="{1D8BD707-D9CF-40AE-B4C6-C98DA3205C09}" type="datetimeFigureOut">
               <a:rPr lang="en-US" smtClean="0"/>
               <a:pPr/>
-              <a:t>1/10/2017</a:t>
+              <a:t>1/13/2017</a:t>
             </a:fld>
             <a:endParaRPr lang="en-US" dirty="0"/>
           </a:p>
@@ -2224,7 +2224,7 @@
             <a:fld id="{1D8BD707-D9CF-40AE-B4C6-C98DA3205C09}" type="datetimeFigureOut">
               <a:rPr lang="en-US" smtClean="0"/>
               <a:pPr/>
-              <a:t>1/10/2017</a:t>
+              <a:t>1/13/2017</a:t>
             </a:fld>
             <a:endParaRPr lang="en-US" dirty="0"/>
           </a:p>
@@ -2344,7 +2344,7 @@
             <a:fld id="{1D8BD707-D9CF-40AE-B4C6-C98DA3205C09}" type="datetimeFigureOut">
               <a:rPr lang="en-US" smtClean="0"/>
               <a:pPr/>
-              <a:t>1/10/2017</a:t>
+              <a:t>1/13/2017</a:t>
             </a:fld>
             <a:endParaRPr lang="en-US" dirty="0"/>
           </a:p>
@@ -2441,7 +2441,7 @@
             <a:fld id="{1D8BD707-D9CF-40AE-B4C6-C98DA3205C09}" type="datetimeFigureOut">
               <a:rPr lang="en-US" smtClean="0"/>
               <a:pPr/>
-              <a:t>1/10/2017</a:t>
+              <a:t>1/13/2017</a:t>
             </a:fld>
             <a:endParaRPr lang="en-US" dirty="0"/>
           </a:p>
@@ -2720,7 +2720,7 @@
             <a:fld id="{1D8BD707-D9CF-40AE-B4C6-C98DA3205C09}" type="datetimeFigureOut">
               <a:rPr lang="en-US" smtClean="0"/>
               <a:pPr/>
-              <a:t>1/10/2017</a:t>
+              <a:t>1/13/2017</a:t>
             </a:fld>
             <a:endParaRPr lang="en-US" dirty="0"/>
           </a:p>
@@ -2975,7 +2975,7 @@
             <a:fld id="{1D8BD707-D9CF-40AE-B4C6-C98DA3205C09}" type="datetimeFigureOut">
               <a:rPr lang="en-US" smtClean="0"/>
               <a:pPr/>
-              <a:t>1/10/2017</a:t>
+              <a:t>1/13/2017</a:t>
             </a:fld>
             <a:endParaRPr lang="en-US" dirty="0"/>
           </a:p>
@@ -3190,7 +3190,7 @@
             <a:fld id="{1D8BD707-D9CF-40AE-B4C6-C98DA3205C09}" type="datetimeFigureOut">
               <a:rPr lang="en-US" smtClean="0"/>
               <a:pPr/>
-              <a:t>1/10/2017</a:t>
+              <a:t>1/13/2017</a:t>
             </a:fld>
             <a:endParaRPr lang="en-US" dirty="0"/>
           </a:p>
@@ -3734,8 +3734,8 @@
         </p:nvSpPr>
         <p:spPr>
           <a:xfrm>
-            <a:off x="155575" y="914400"/>
-            <a:ext cx="8759825" cy="3200400"/>
+            <a:off x="155575" y="465138"/>
+            <a:ext cx="8912225" cy="4335462"/>
           </a:xfrm>
           <a:prstGeom prst="roundRect">
             <a:avLst/>
@@ -3771,6 +3771,13 @@
               <a:buFont typeface="Wingdings" pitchFamily="2" charset="2"/>
               <a:buChar char="ü"/>
             </a:pPr>
+            <a:endParaRPr lang="en-US" sz="1200" b="1" dirty="0" smtClean="0"/>
+          </a:p>
+          <a:p>
+            <a:pPr marL="171450" indent="-171450">
+              <a:buFont typeface="Wingdings" pitchFamily="2" charset="2"/>
+              <a:buChar char="ü"/>
+            </a:pPr>
             <a:r>
               <a:rPr lang="en-US" sz="1200" b="1" dirty="0" smtClean="0"/>
               <a:t>Enum </a:t>
@@ -3875,7 +3882,129 @@
             </a:pPr>
             <a:r>
               <a:rPr lang="en-US" sz="1200" dirty="0" smtClean="0"/>
-              <a:t>Important points related to Enum</a:t>
+              <a:t>Important points related to </a:t>
+            </a:r>
+            <a:r>
+              <a:rPr lang="en-US" sz="1200" dirty="0" smtClean="0"/>
+              <a:t>Enum</a:t>
+            </a:r>
+            <a:br>
+              <a:rPr lang="en-US" sz="1200" dirty="0" smtClean="0"/>
+            </a:br>
+            <a:endParaRPr lang="en-US" sz="1200" dirty="0" smtClean="0"/>
+          </a:p>
+          <a:p>
+            <a:pPr marL="685800" lvl="1" indent="-228600">
+              <a:buFont typeface="+mj-lt"/>
+              <a:buAutoNum type="arabicPeriod"/>
+            </a:pPr>
+            <a:r>
+              <a:rPr lang="en-US" sz="1200" b="1" dirty="0"/>
+              <a:t>enum</a:t>
+            </a:r>
+            <a:r>
+              <a:rPr lang="en-US" sz="1200" dirty="0"/>
+              <a:t> improves type safety</a:t>
+            </a:r>
+          </a:p>
+          <a:p>
+            <a:pPr marL="685800" lvl="1" indent="-228600">
+              <a:buFont typeface="+mj-lt"/>
+              <a:buAutoNum type="arabicPeriod"/>
+            </a:pPr>
+            <a:r>
+              <a:rPr lang="en-US" sz="1200" b="1" dirty="0"/>
+              <a:t>enum</a:t>
+            </a:r>
+            <a:r>
+              <a:rPr lang="en-US" sz="1200" dirty="0"/>
+              <a:t> can be easily used in switch</a:t>
+            </a:r>
+          </a:p>
+          <a:p>
+            <a:pPr marL="685800" lvl="1" indent="-228600">
+              <a:buFont typeface="+mj-lt"/>
+              <a:buAutoNum type="arabicPeriod"/>
+            </a:pPr>
+            <a:r>
+              <a:rPr lang="en-US" sz="1200" b="1" dirty="0"/>
+              <a:t>enum</a:t>
+            </a:r>
+            <a:r>
+              <a:rPr lang="en-US" sz="1200" dirty="0"/>
+              <a:t> can be traversed</a:t>
+            </a:r>
+          </a:p>
+          <a:p>
+            <a:pPr marL="685800" lvl="1" indent="-228600">
+              <a:buFont typeface="+mj-lt"/>
+              <a:buAutoNum type="arabicPeriod"/>
+            </a:pPr>
+            <a:r>
+              <a:rPr lang="en-US" sz="1200" b="1" dirty="0"/>
+              <a:t>enum </a:t>
+            </a:r>
+            <a:r>
+              <a:rPr lang="en-US" sz="1200" dirty="0"/>
+              <a:t>can have fields, constructors and methods</a:t>
+            </a:r>
+          </a:p>
+          <a:p>
+            <a:pPr marL="685800" lvl="1" indent="-228600">
+              <a:buFont typeface="+mj-lt"/>
+              <a:buAutoNum type="arabicPeriod"/>
+            </a:pPr>
+            <a:r>
+              <a:rPr lang="en-US" sz="1200" b="1" dirty="0"/>
+              <a:t>enum</a:t>
+            </a:r>
+            <a:r>
+              <a:rPr lang="en-US" sz="1200" dirty="0"/>
+              <a:t> may implement many interfaces but cannot extend any class because it internally extends Enum class</a:t>
+            </a:r>
+          </a:p>
+          <a:p>
+            <a:pPr marL="628650" lvl="1" indent="-171450">
+              <a:buFont typeface="Wingdings" pitchFamily="2" charset="2"/>
+              <a:buChar char="ü"/>
+            </a:pPr>
+            <a:endParaRPr lang="en-US" sz="1200" dirty="0"/>
+          </a:p>
+          <a:p>
+            <a:pPr marL="171450" indent="-171450">
+              <a:buFont typeface="Wingdings" pitchFamily="2" charset="2"/>
+              <a:buChar char="ü"/>
+            </a:pPr>
+            <a:endParaRPr lang="en-US" sz="1200" dirty="0" smtClean="0"/>
+          </a:p>
+          <a:p>
+            <a:pPr marL="171450" indent="-171450">
+              <a:buFont typeface="Wingdings" pitchFamily="2" charset="2"/>
+              <a:buChar char="ü"/>
+            </a:pPr>
+            <a:r>
+              <a:rPr lang="en-US" sz="1200" dirty="0"/>
+              <a:t>Java </a:t>
+            </a:r>
+            <a:r>
+              <a:rPr lang="en-US" sz="1200" b="1" dirty="0"/>
+              <a:t>enums</a:t>
+            </a:r>
+            <a:r>
+              <a:rPr lang="en-US" sz="1200" dirty="0"/>
+              <a:t> extend the </a:t>
+            </a:r>
+            <a:r>
+              <a:rPr lang="en-US" sz="1200" b="1" dirty="0"/>
+              <a:t>java.lang.Enum</a:t>
+            </a:r>
+            <a:r>
+              <a:rPr lang="en-US" sz="1200" dirty="0"/>
+              <a:t> class implicitly, so your enum types cannot extend another class</a:t>
+            </a:r>
+            <a:r>
+              <a:rPr lang="en-US" sz="1200" dirty="0" smtClean="0"/>
+              <a:t>.</a:t>
             </a:r>
           </a:p>
           <a:p>
@@ -3886,82 +4015,62 @@
             <a:endParaRPr lang="en-US" sz="1200" dirty="0"/>
           </a:p>
           <a:p>
-            <a:pPr marL="685800" lvl="1" indent="-228600">
-              <a:buFont typeface="+mj-lt"/>
-              <a:buAutoNum type="arabicPeriod"/>
+            <a:pPr marL="171450" indent="-171450">
+              <a:buFont typeface="Wingdings" pitchFamily="2" charset="2"/>
+              <a:buChar char="ü"/>
             </a:pPr>
+            <a:r>
+              <a:rPr lang="en-US" sz="1200" dirty="0"/>
+              <a:t>If a Java </a:t>
+            </a:r>
             <a:r>
               <a:rPr lang="en-US" sz="1200" b="1" dirty="0"/>
               <a:t>enum</a:t>
             </a:r>
             <a:r>
               <a:rPr lang="en-US" sz="1200" dirty="0"/>
-              <a:t> improves type safety</a:t>
-            </a:r>
-          </a:p>
-          <a:p>
-            <a:pPr marL="685800" lvl="1" indent="-228600">
-              <a:buFont typeface="+mj-lt"/>
-              <a:buAutoNum type="arabicPeriod"/>
-            </a:pPr>
+              <a:t> contains fields and methods, the definition of fields and methods must always come </a:t>
+            </a:r>
+            <a:r>
+              <a:rPr lang="en-US" sz="1200" i="1" dirty="0" smtClean="0"/>
+              <a:t>after </a:t>
+            </a:r>
+            <a:r>
+              <a:rPr lang="en-US" sz="1200" dirty="0" smtClean="0"/>
+              <a:t>the </a:t>
+            </a:r>
+            <a:r>
+              <a:rPr lang="en-US" sz="1200" dirty="0"/>
+              <a:t>list of constants in the </a:t>
+            </a:r>
             <a:r>
               <a:rPr lang="en-US" sz="1200" b="1" dirty="0"/>
               <a:t>enum</a:t>
             </a:r>
             <a:r>
               <a:rPr lang="en-US" sz="1200" dirty="0"/>
-              <a:t> can be easily used in switch</a:t>
-            </a:r>
-          </a:p>
-          <a:p>
-            <a:pPr marL="685800" lvl="1" indent="-228600">
-              <a:buFont typeface="+mj-lt"/>
-              <a:buAutoNum type="arabicPeriod"/>
+              <a:t>. Additionally, the list of </a:t>
+            </a:r>
+            <a:r>
+              <a:rPr lang="en-US" sz="1200" b="1" dirty="0" smtClean="0"/>
+              <a:t>enum </a:t>
+            </a:r>
+            <a:r>
+              <a:rPr lang="en-US" sz="1200" dirty="0" smtClean="0"/>
+              <a:t>constants </a:t>
+            </a:r>
+            <a:r>
+              <a:rPr lang="en-US" sz="1200" dirty="0"/>
+              <a:t>must be terminated by a semicolon;</a:t>
+            </a:r>
+            <a:endParaRPr lang="en-US" sz="1200" dirty="0" smtClean="0"/>
+          </a:p>
+          <a:p>
+            <a:pPr marL="171450" indent="-171450">
+              <a:buFont typeface="Wingdings" pitchFamily="2" charset="2"/>
+              <a:buChar char="ü"/>
             </a:pPr>
-            <a:r>
-              <a:rPr lang="en-US" sz="1200" b="1" dirty="0"/>
-              <a:t>enum</a:t>
-            </a:r>
-            <a:r>
-              <a:rPr lang="en-US" sz="1200" dirty="0"/>
-              <a:t> can be traversed</a:t>
-            </a:r>
-          </a:p>
-          <a:p>
-            <a:pPr marL="685800" lvl="1" indent="-228600">
-              <a:buFont typeface="+mj-lt"/>
-              <a:buAutoNum type="arabicPeriod"/>
-            </a:pPr>
-            <a:r>
-              <a:rPr lang="en-US" sz="1200" b="1" dirty="0" smtClean="0"/>
-              <a:t>enum</a:t>
-            </a:r>
-            <a:r>
-              <a:rPr lang="en-US" sz="1200" b="1" dirty="0" smtClean="0"/>
-              <a:t> </a:t>
-            </a:r>
-            <a:r>
-              <a:rPr lang="en-US" sz="1200" dirty="0" smtClean="0"/>
-              <a:t>can </a:t>
-            </a:r>
-            <a:r>
-              <a:rPr lang="en-US" sz="1200" dirty="0"/>
-              <a:t>have fields, constructors and methods</a:t>
-            </a:r>
-          </a:p>
-          <a:p>
-            <a:pPr marL="685800" lvl="1" indent="-228600">
-              <a:buFont typeface="+mj-lt"/>
-              <a:buAutoNum type="arabicPeriod"/>
-            </a:pPr>
-            <a:r>
-              <a:rPr lang="en-US" sz="1200" b="1" dirty="0"/>
-              <a:t>enum</a:t>
-            </a:r>
-            <a:r>
-              <a:rPr lang="en-US" sz="1200" dirty="0"/>
-              <a:t> may implement many interfaces but cannot extend any class because it internally extends Enum class</a:t>
-            </a:r>
+            <a:endParaRPr lang="en-US" sz="1200" dirty="0"/>
           </a:p>
           <a:p>
             <a:pPr marL="171450" indent="-171450">

--- a/Later/The Platform Environment/20/Java enum.pptx
+++ b/Later/The Platform Environment/20/Java enum.pptx
@@ -5,10 +5,11 @@
     <p:sldMasterId id="2147483672" r:id="rId1"/>
   </p:sldMasterIdLst>
   <p:notesMasterIdLst>
-    <p:notesMasterId r:id="rId3"/>
+    <p:notesMasterId r:id="rId4"/>
   </p:notesMasterIdLst>
   <p:sldIdLst>
     <p:sldId id="430" r:id="rId2"/>
+    <p:sldId id="431" r:id="rId3"/>
   </p:sldIdLst>
   <p:sldSz cx="9144000" cy="5029200"/>
   <p:notesSz cx="6858000" cy="9144000"/>
@@ -531,6 +532,95 @@
             <a:fld id="{A883C400-BD9D-4609-A213-F91E9750031E}" type="slidenum">
               <a:rPr lang="en-US" smtClean="0"/>
               <a:t>1</a:t>
+            </a:fld>
+            <a:endParaRPr lang="en-US" dirty="0"/>
+          </a:p>
+        </p:txBody>
+      </p:sp>
+    </p:spTree>
+    <p:extLst>
+      <p:ext uri="{BB962C8B-B14F-4D97-AF65-F5344CB8AC3E}">
+        <p14:creationId xmlns:p14="http://schemas.microsoft.com/office/powerpoint/2010/main" val="4195558700"/>
+      </p:ext>
+    </p:extLst>
+  </p:cSld>
+  <p:clrMapOvr>
+    <a:masterClrMapping/>
+  </p:clrMapOvr>
+</p:notes>
+</file>
+
+<file path=ppt/notesSlides/notesSlide2.xml><?xml version="1.0" encoding="utf-8"?>
+<p:notes xmlns:a="http://schemas.openxmlformats.org/drawingml/2006/main" xmlns:r="http://schemas.openxmlformats.org/officeDocument/2006/relationships" xmlns:p="http://schemas.openxmlformats.org/presentationml/2006/main">
+  <p:cSld>
+    <p:spTree>
+      <p:nvGrpSpPr>
+        <p:cNvPr id="1" name=""/>
+        <p:cNvGrpSpPr/>
+        <p:nvPr/>
+      </p:nvGrpSpPr>
+      <p:grpSpPr>
+        <a:xfrm>
+          <a:off x="0" y="0"/>
+          <a:ext cx="0" cy="0"/>
+          <a:chOff x="0" y="0"/>
+          <a:chExt cx="0" cy="0"/>
+        </a:xfrm>
+      </p:grpSpPr>
+      <p:sp>
+        <p:nvSpPr>
+          <p:cNvPr id="2" name="Slide Image Placeholder 1"/>
+          <p:cNvSpPr>
+            <a:spLocks noGrp="1" noRot="1" noChangeAspect="1"/>
+          </p:cNvSpPr>
+          <p:nvPr>
+            <p:ph type="sldImg"/>
+          </p:nvPr>
+        </p:nvSpPr>
+        <p:spPr>
+          <a:xfrm>
+            <a:off x="312738" y="685800"/>
+            <a:ext cx="6232525" cy="3429000"/>
+          </a:xfrm>
+        </p:spPr>
+      </p:sp>
+      <p:sp>
+        <p:nvSpPr>
+          <p:cNvPr id="3" name="Notes Placeholder 2"/>
+          <p:cNvSpPr>
+            <a:spLocks noGrp="1"/>
+          </p:cNvSpPr>
+          <p:nvPr>
+            <p:ph type="body" idx="1"/>
+          </p:nvPr>
+        </p:nvSpPr>
+        <p:spPr/>
+        <p:txBody>
+          <a:bodyPr/>
+          <a:lstStyle/>
+          <a:p>
+            <a:endParaRPr lang="en-US" dirty="0"/>
+          </a:p>
+        </p:txBody>
+      </p:sp>
+      <p:sp>
+        <p:nvSpPr>
+          <p:cNvPr id="4" name="Slide Number Placeholder 3"/>
+          <p:cNvSpPr>
+            <a:spLocks noGrp="1"/>
+          </p:cNvSpPr>
+          <p:nvPr>
+            <p:ph type="sldNum" sz="quarter" idx="10"/>
+          </p:nvPr>
+        </p:nvSpPr>
+        <p:spPr/>
+        <p:txBody>
+          <a:bodyPr/>
+          <a:lstStyle/>
+          <a:p>
+            <a:fld id="{A883C400-BD9D-4609-A213-F91E9750031E}" type="slidenum">
+              <a:rPr lang="en-US" smtClean="0"/>
+              <a:t>2</a:t>
             </a:fld>
             <a:endParaRPr lang="en-US" dirty="0"/>
           </a:p>
@@ -3882,11 +3972,7 @@
             </a:pPr>
             <a:r>
               <a:rPr lang="en-US" sz="1200" dirty="0" smtClean="0"/>
-              <a:t>Important points related to </a:t>
-            </a:r>
-            <a:r>
-              <a:rPr lang="en-US" sz="1200" dirty="0" smtClean="0"/>
-              <a:t>Enum</a:t>
+              <a:t>Important points related to Enum</a:t>
             </a:r>
             <a:br>
               <a:rPr lang="en-US" sz="1200" dirty="0" smtClean="0"/>
@@ -4085,6 +4171,239 @@
     <p:extLst>
       <p:ext uri="{BB962C8B-B14F-4D97-AF65-F5344CB8AC3E}">
         <p14:creationId xmlns:p14="http://schemas.microsoft.com/office/powerpoint/2010/main" val="869949048"/>
+      </p:ext>
+    </p:extLst>
+  </p:cSld>
+  <p:clrMapOvr>
+    <a:masterClrMapping/>
+  </p:clrMapOvr>
+  <mc:AlternateContent xmlns:mc="http://schemas.openxmlformats.org/markup-compatibility/2006" xmlns:p14="http://schemas.microsoft.com/office/powerpoint/2010/main">
+    <mc:Choice Requires="p14">
+      <p:transition spd="slow" p14:dur="2000"/>
+    </mc:Choice>
+    <mc:Fallback xmlns="">
+      <p:transition spd="slow"/>
+    </mc:Fallback>
+  </mc:AlternateContent>
+  <p:timing>
+    <p:tnLst>
+      <p:par>
+        <p:cTn id="1" dur="indefinite" restart="never" nodeType="tmRoot"/>
+      </p:par>
+    </p:tnLst>
+  </p:timing>
+</p:sld>
+</file>
+
+<file path=ppt/slides/slide2.xml><?xml version="1.0" encoding="utf-8"?>
+<p:sld xmlns:a="http://schemas.openxmlformats.org/drawingml/2006/main" xmlns:r="http://schemas.openxmlformats.org/officeDocument/2006/relationships" xmlns:p="http://schemas.openxmlformats.org/presentationml/2006/main">
+  <p:cSld>
+    <p:spTree>
+      <p:nvGrpSpPr>
+        <p:cNvPr id="1" name=""/>
+        <p:cNvGrpSpPr/>
+        <p:nvPr/>
+      </p:nvGrpSpPr>
+      <p:grpSpPr>
+        <a:xfrm>
+          <a:off x="0" y="0"/>
+          <a:ext cx="0" cy="0"/>
+          <a:chOff x="0" y="0"/>
+          <a:chExt cx="0" cy="0"/>
+        </a:xfrm>
+      </p:grpSpPr>
+      <p:sp>
+        <p:nvSpPr>
+          <p:cNvPr id="3" name="AutoShape 2" descr="data:image/png;base64,iVBORw0KGgoAAAANSUhEUgAAANEAAADxCAMAAABiSKLrAAAAbFBMVEWIiIj////6+vr29vb19fX4+Pj5+fnu7u77+/v39/f9/f3z8/P+/v709PT8/Pyqqqrt7e3v7+/w8PDx8fHy8vK+vr7Q0NCjo6OBgYHY2Njk5OTHx8eNjY3c3NzGxsbn5+eWlpa1tbWcnJx6enob4+f+AAAIqklEQVR4nO3dCZuaOhQGYEZAh0FkX2W1//8/lkVMICeIkRmOPHz22lYg5OVEZLFzJRNrnC+xSGt3nJvQekMUYktnEiM1ouDrjCs/pukLkzoRtpjmNRcloRUFoiS8oo5UvLwsYpEgCaXoHLYiMRJqkRAJt0iEhFwkQMIqCgJRElpRLErCL3r1oxavSJSEWCRIQikyOtGQNPd8CaXICc04FiXhFomQkIsESChFbmhmwiT0opf3eBivMzSjLuORnh49oKxRKxIloayR24oESShFRScSI6EUJaGZCJNwiwhp/skFcpFAlbCLXiehF71MQisSJiEVVYkwqRP9oEpXI1HSXXRuWjo/2jz3f3v8YfjS7871lbU1EiT1IjrAKrvX/2iurzisijkk8OQC5ah7iERIyEUCJOyi10noRU9J490DUpFPRAApniJhFVnzSaOdOF6RKAmlKGhFgiTMohdIyYeIhEh30aV99E9NLo8VXLqn++Q/mIuIREid6DJsv32s91Ityi1hEtJRl5+ESX2NMKUR2ZYoCbNIjIRV5FiiJIyicx7mriVEKnCKfvxadBIloRQ1NTqJkcICpcgPr7rjOPYJZnFNbZVwikw/YHNlXmDi4xW9kU70jSnNqOu/xL4R0aWg3yNMgNHWp0I66i7Dy5PsdXFuApw1Eg8RndfuykLZa4Q/512EPrsIfzYtOmwje43wh4h+1u7KQvm5bk601wh9NlijXYQ+uwh/HqLrZkTXh+h4PDQP8lQ/PvAlSrT2xl0oRHQ5biOXXYQ+uwh/dhH+7CL82bRI3Ua2XKPvtTfuQvneReizi/BnF+HPLsKfTYu0bYQWsd5PfImIDmtv3IVy2EXos4vwZxfhzy7CH0okbyO7CH+2/D46rr1xF8pxF6HPLsKfXYQ/uwh/KJGyjWxatPZwWShEpK69cReKuovQZxfhzy7Cn12EP0SkGduItmHRzFF3P3r63ZHzTl4YdYqsHg/e/YdF2e7xcFRVrba109gMFp2evGhmjzpFVZLcvJVpl7K8hWaVB1liNVNdJh7VZ4Wd7P4aaa5I866lFEnDRHWksC5eVgtH8VWy8PHGTE5V/rr+QqSocTnm9CpTM+SMmRhVVJcPKbPYv5VFcs7x1F3P1eeikl1sXZHGB0lRLH+eSI75ICk6KZ8nctkOkaQN+cNEWjBRIimU0YpkHY4hmxOgqNIMHRaRJo6giLO+dyM/F1nsvpfqWVAv92Eihe0u3bNE+TgR/FkURfWhUHPMIBsguh6N0yKNs7o/EGkVIEpj+XA8fltJ0GzqDxMdQwBka+2gqQ/p9FYkpaNIiEXuje3OddQfg738rFCTcYmME9sdKXntbY1MBOy802JrotJ6bSUiInLia7y2+aZEbXuyxXbn5vXXGQazDs+6xUWGoql2kXU/DDrOssLWNFmZ65oQufeflwvU6PHDdO8ki/0xu/Rb7RVRvZNJgupW7y3bU+T6JLnej97MPLNUhbPIbJEV9U2y/eknHds5lfhfNMo/sb23oRX5LQXWGUmpGdtz3nxEpOiep7eP+5MFUEZJj+0SCnsCVX/CkrZUQFRvQG+8RkNOzHTi5LL0rW6x8YL0bwolGtdolqir0fQxAyQCNrdsVczFmdFS6fXp+4kSecPMEqntrAYkkklTYI288frkYKI+j+XCYtzRUdCIdMV/7mkWTDNmY6AU6bo5C9QknqwSEpFuzAdJUjZFQiJSoFMWfhIDu0ievDjD5ubquEV6AjVet3krU3B/Hvn8cYdDBJxUSlKVaJqmWvENMiXcImEQKcCYi26W1nZaN9SAXXFkcos0JZpxXLeICDpLDnVSBDkDusAtEhGN72p5J78LcMbn9+nudemgiDSlASLF66cC20NKbZ3qCnAnIfKp9gcxiIjVPj8/8mbVCBY9VsNes42C4YgBrgyUJ06NpkRdCuD8yB418pYIOkl2hyuQ2SOkKOMMO4M76vrBB4sG84Cjjrr5Cooeo4TdLwyGbLsC4IKgD93dHY66lUQye7gQxfqgfdcDhr7JeSOtLoL2dOn4KEdX2E+s0hp24j3RaUERsPnLLBmlYPceaYJVBB0Bja85p8ANn3rXgFX02kEqaSGAeywoGs7zjghYdqYoxyp68USCtMDZfX+wqHomav53fkBcWDSYx4NEBpkuAyLj3oSwSDIVsMM6ETVAp/3V/KG2tP/xRPRccI1IW7Comyr8PupE9052bbW/0yLHpX/1T1wRmQuskULa4oqcd/Z1pjLu6li0zqgDP49m5fmo+2NR3z50zFBYczLsBB6Rxx6y8Q5wRoE7LCaylhM5BnTs7cGdmZP1RZzdygeLXOjW9fg94jYXUnjjbBHRcJ5nImVKBA67fFgkL/HzIE4KRW7vM0/i/kQ0WSPHg75KldHdqc+h7pfZ0jKs/GuDM3hvNSLizSEqoroE1Yia7ELf00kIWS/o09z+EmLA6bC3hMh9TwRskDq51x47e4Zzhc73Qt64wyByPOjmUVT6cZZkcQV+0zxNflX05qgD36tSe3MilcCr1FLEe9sPRDYYjmgwD1wjMl1hm4h0ugF43PETVd6wB3RbKES2Pu+2cr9waHFBWESO+8JtyxrkckFYRDa8dxAAoRHNH3hRNTHkUIlsY9Z3TqR6LzcFokScSsKi4TzPRMYske0VT78XJJkJZ8uTzojV6FdEtmNkE9/diqLUzJTpAtmzalQyF6FvI5ETA9+OpraQwTYhwRvQMYqryX6sNn8vq8AynnqoGuXuCY7N/vMR3R7N47DzePR04J+gjJt4rM7V3SzwzbC8FzYtb2Z1jQtDd3nLDOLmD1E9v90++qfT4Lfh5N+cq/508shXb5st6Ll1cWa2RYu2EUo0p6QfkF2EP7sIf3YR/hCRs3ZXFoqzYdEGR92su1D4Q486yzq1D/L0iS85W67R2l1ZKLsIfzYs4l05+bg8rpxU/lZS3UXbyvZE/wFXu+LXNTDaDQAAAABJRU5ErkJggg=="/>
+          <p:cNvSpPr>
+            <a:spLocks noChangeAspect="1" noChangeArrowheads="1"/>
+          </p:cNvSpPr>
+          <p:nvPr/>
+        </p:nvSpPr>
+        <p:spPr bwMode="auto">
+          <a:xfrm>
+            <a:off x="155575" y="-144463"/>
+            <a:ext cx="304800" cy="304801"/>
+          </a:xfrm>
+          <a:prstGeom prst="rect">
+            <a:avLst/>
+          </a:prstGeom>
+          <a:noFill/>
+          <a:extLst>
+            <a:ext uri="{909E8E84-426E-40DD-AFC4-6F175D3DCCD1}">
+              <a14:hiddenFill xmlns:a14="http://schemas.microsoft.com/office/drawing/2010/main">
+                <a:solidFill>
+                  <a:srgbClr val="FFFFFF"/>
+                </a:solidFill>
+              </a14:hiddenFill>
+            </a:ext>
+          </a:extLst>
+        </p:spPr>
+        <p:txBody>
+          <a:bodyPr vert="horz" wrap="square" lIns="91440" tIns="45720" rIns="91440" bIns="45720" numCol="1" anchor="t" anchorCtr="0" compatLnSpc="1">
+            <a:prstTxWarp prst="textNoShape">
+              <a:avLst/>
+            </a:prstTxWarp>
+          </a:bodyPr>
+          <a:lstStyle/>
+          <a:p>
+            <a:endParaRPr lang="en-US" sz="1200" dirty="0"/>
+          </a:p>
+        </p:txBody>
+      </p:sp>
+      <p:sp>
+        <p:nvSpPr>
+          <p:cNvPr id="17" name="Rectangle 16"/>
+          <p:cNvSpPr/>
+          <p:nvPr/>
+        </p:nvSpPr>
+        <p:spPr>
+          <a:xfrm>
+            <a:off x="4038600" y="38527"/>
+            <a:ext cx="838200" cy="276999"/>
+          </a:xfrm>
+          <a:prstGeom prst="rect">
+            <a:avLst/>
+          </a:prstGeom>
+        </p:spPr>
+        <p:style>
+          <a:lnRef idx="1">
+            <a:schemeClr val="accent4"/>
+          </a:lnRef>
+          <a:fillRef idx="3">
+            <a:schemeClr val="accent4"/>
+          </a:fillRef>
+          <a:effectRef idx="2">
+            <a:schemeClr val="accent4"/>
+          </a:effectRef>
+          <a:fontRef idx="minor">
+            <a:schemeClr val="lt1"/>
+          </a:fontRef>
+        </p:style>
+        <p:txBody>
+          <a:bodyPr wrap="square">
+            <a:spAutoFit/>
+          </a:bodyPr>
+          <a:lstStyle/>
+          <a:p>
+            <a:pPr algn="ctr"/>
+            <a:r>
+              <a:rPr lang="en-US" sz="1200" dirty="0"/>
+              <a:t>Java Enum</a:t>
+            </a:r>
+          </a:p>
+        </p:txBody>
+      </p:sp>
+      <p:sp>
+        <p:nvSpPr>
+          <p:cNvPr id="2" name="AutoShape 2" descr="Image result for file"/>
+          <p:cNvSpPr>
+            <a:spLocks noChangeAspect="1" noChangeArrowheads="1"/>
+          </p:cNvSpPr>
+          <p:nvPr/>
+        </p:nvSpPr>
+        <p:spPr bwMode="auto">
+          <a:xfrm>
+            <a:off x="307975" y="7937"/>
+            <a:ext cx="304800" cy="304801"/>
+          </a:xfrm>
+          <a:prstGeom prst="rect">
+            <a:avLst/>
+          </a:prstGeom>
+          <a:noFill/>
+          <a:extLst>
+            <a:ext uri="{909E8E84-426E-40DD-AFC4-6F175D3DCCD1}">
+              <a14:hiddenFill xmlns:a14="http://schemas.microsoft.com/office/drawing/2010/main">
+                <a:solidFill>
+                  <a:srgbClr val="FFFFFF"/>
+                </a:solidFill>
+              </a14:hiddenFill>
+            </a:ext>
+          </a:extLst>
+        </p:spPr>
+        <p:txBody>
+          <a:bodyPr vert="horz" wrap="square" lIns="91440" tIns="45720" rIns="91440" bIns="45720" numCol="1" anchor="t" anchorCtr="0" compatLnSpc="1">
+            <a:prstTxWarp prst="textNoShape">
+              <a:avLst/>
+            </a:prstTxWarp>
+          </a:bodyPr>
+          <a:lstStyle/>
+          <a:p>
+            <a:endParaRPr lang="en-US" dirty="0"/>
+          </a:p>
+        </p:txBody>
+      </p:sp>
+      <p:sp>
+        <p:nvSpPr>
+          <p:cNvPr id="4" name="AutoShape 4" descr="Image result for file"/>
+          <p:cNvSpPr>
+            <a:spLocks noChangeAspect="1" noChangeArrowheads="1"/>
+          </p:cNvSpPr>
+          <p:nvPr/>
+        </p:nvSpPr>
+        <p:spPr bwMode="auto">
+          <a:xfrm>
+            <a:off x="460375" y="160337"/>
+            <a:ext cx="304800" cy="304801"/>
+          </a:xfrm>
+          <a:prstGeom prst="rect">
+            <a:avLst/>
+          </a:prstGeom>
+          <a:noFill/>
+          <a:extLst>
+            <a:ext uri="{909E8E84-426E-40DD-AFC4-6F175D3DCCD1}">
+              <a14:hiddenFill xmlns:a14="http://schemas.microsoft.com/office/drawing/2010/main">
+                <a:solidFill>
+                  <a:srgbClr val="FFFFFF"/>
+                </a:solidFill>
+              </a14:hiddenFill>
+            </a:ext>
+          </a:extLst>
+        </p:spPr>
+        <p:txBody>
+          <a:bodyPr vert="horz" wrap="square" lIns="91440" tIns="45720" rIns="91440" bIns="45720" numCol="1" anchor="t" anchorCtr="0" compatLnSpc="1">
+            <a:prstTxWarp prst="textNoShape">
+              <a:avLst/>
+            </a:prstTxWarp>
+          </a:bodyPr>
+          <a:lstStyle/>
+          <a:p>
+            <a:endParaRPr lang="en-US" dirty="0"/>
+          </a:p>
+        </p:txBody>
+      </p:sp>
+      <p:sp>
+        <p:nvSpPr>
+          <p:cNvPr id="5" name="Rectangle 4"/>
+          <p:cNvSpPr/>
+          <p:nvPr/>
+        </p:nvSpPr>
+        <p:spPr>
+          <a:xfrm>
+            <a:off x="2286000" y="2191435"/>
+            <a:ext cx="4572000" cy="646331"/>
+          </a:xfrm>
+          <a:prstGeom prst="rect">
+            <a:avLst/>
+          </a:prstGeom>
+        </p:spPr>
+        <p:txBody>
+          <a:bodyPr>
+            <a:spAutoFit/>
+          </a:bodyPr>
+          <a:lstStyle/>
+          <a:p>
+            <a:r>
+              <a:rPr lang="en-US"/>
+              <a:t>https://docs.oracle.com/javase/8/docs/api/java/lang/Enum.html</a:t>
+            </a:r>
+          </a:p>
+        </p:txBody>
+      </p:sp>
+    </p:spTree>
+    <p:extLst>
+      <p:ext uri="{BB962C8B-B14F-4D97-AF65-F5344CB8AC3E}">
+        <p14:creationId xmlns:p14="http://schemas.microsoft.com/office/powerpoint/2010/main" val="268962606"/>
       </p:ext>
     </p:extLst>
   </p:cSld>
